--- a/docs/presentation.pptx
+++ b/docs/presentation.pptx
@@ -6746,15 +6746,22 @@
           </a:lstStyle>
           <a:p>
             <a:r>
-              <a:rPr lang="fr-BE" sz="5400" dirty="0">
+              <a:rPr lang="fr-BE" sz="5400" dirty="0" err="1">
                 <a:solidFill>
                   <a:schemeClr val="tx1">
                     <a:alpha val="99000"/>
                   </a:schemeClr>
                 </a:solidFill>
               </a:rPr>
-              <a:t>titre</a:t>
+              <a:t>QRJob</a:t>
             </a:r>
+            <a:endParaRPr lang="fr-BE" sz="5400" dirty="0">
+              <a:solidFill>
+                <a:schemeClr val="tx1">
+                  <a:alpha val="99000"/>
+                </a:schemeClr>
+              </a:solidFill>
+            </a:endParaRPr>
           </a:p>
         </p:txBody>
       </p:sp>
@@ -6961,7 +6968,7 @@
                   <a:schemeClr val="tx1"/>
                 </a:solidFill>
               </a:rPr>
-              <a:t>hackathon</a:t>
+              <a:t>Hackathon Citizens of Wallonia</a:t>
             </a:r>
             <a:endParaRPr lang="en-US" sz="2600" dirty="0">
               <a:solidFill>
@@ -6996,6 +7003,47 @@
           </a:p>
         </p:txBody>
       </p:sp>
+      <p:pic>
+        <p:nvPicPr>
+          <p:cNvPr id="1026" name="Picture 2" descr="http://www.citizensofwallonia.be/app/uploads/2016/01/logo_hackathon.png"/>
+          <p:cNvPicPr>
+            <a:picLocks noChangeAspect="1" noChangeArrowheads="1"/>
+          </p:cNvPicPr>
+          <p:nvPr/>
+        </p:nvPicPr>
+        <p:blipFill>
+          <a:blip r:embed="rId4">
+            <a:extLst>
+              <a:ext uri="{28A0092B-C50C-407E-A947-70E740481C1C}">
+                <a14:useLocalDpi xmlns:a14="http://schemas.microsoft.com/office/drawing/2010/main" val="0"/>
+              </a:ext>
+            </a:extLst>
+          </a:blip>
+          <a:srcRect/>
+          <a:stretch>
+            <a:fillRect/>
+          </a:stretch>
+        </p:blipFill>
+        <p:spPr bwMode="auto">
+          <a:xfrm>
+            <a:off x="4860096" y="609600"/>
+            <a:ext cx="4686300" cy="3810000"/>
+          </a:xfrm>
+          <a:prstGeom prst="rect">
+            <a:avLst/>
+          </a:prstGeom>
+          <a:noFill/>
+          <a:extLst>
+            <a:ext uri="{909E8E84-426E-40DD-AFC4-6F175D3DCCD1}">
+              <a14:hiddenFill xmlns:a14="http://schemas.microsoft.com/office/drawing/2010/main">
+                <a:solidFill>
+                  <a:srgbClr val="FFFFFF"/>
+                </a:solidFill>
+              </a14:hiddenFill>
+            </a:ext>
+          </a:extLst>
+        </p:spPr>
+      </p:pic>
     </p:spTree>
     <p:extLst>
       <p:ext uri="{BB962C8B-B14F-4D97-AF65-F5344CB8AC3E}">
@@ -9911,6 +9959,21 @@
 </file>
 
 <file path=customXml/item1.xml><?xml version="1.0" encoding="utf-8"?>
+<?mso-contentType ?>
+<FormTemplates xmlns="http://schemas.microsoft.com/sharepoint/v3/contenttype/forms">
+  <Display>DocumentLibraryForm</Display>
+  <Edit>DocumentLibraryForm</Edit>
+  <New>DocumentLibraryForm</New>
+</FormTemplates>
+</file>
+
+<file path=customXml/item2.xml><?xml version="1.0" encoding="utf-8"?>
+<p:properties xmlns:p="http://schemas.microsoft.com/office/2006/metadata/properties" xmlns:xsi="http://www.w3.org/2001/XMLSchema-instance" xmlns:pc="http://schemas.microsoft.com/office/infopath/2007/PartnerControls">
+  <documentManagement/>
+</p:properties>
+</file>
+
+<file path=customXml/item3.xml><?xml version="1.0" encoding="utf-8"?>
 <ct:contentTypeSchema xmlns:ct="http://schemas.microsoft.com/office/2006/metadata/contentType" xmlns:ma="http://schemas.microsoft.com/office/2006/metadata/properties/metaAttributes" ct:_="" ma:_="" ma:contentTypeName="Document" ma:contentTypeID="0x0101002BB55AA0DA9F7246A3E3A4592ED13A8A" ma:contentTypeVersion="0" ma:contentTypeDescription="Create a new document." ma:contentTypeScope="" ma:versionID="90a2aafeac5fff22f0b26f64399238ba">
   <xsd:schema xmlns:xsd="http://www.w3.org/2001/XMLSchema" xmlns:xs="http://www.w3.org/2001/XMLSchema" xmlns:p="http://schemas.microsoft.com/office/2006/metadata/properties" targetNamespace="http://schemas.microsoft.com/office/2006/metadata/properties" ma:root="true" ma:fieldsID="6841151cf538834e171094e4faaf2d73">
     <xsd:element name="properties">
@@ -10024,22 +10087,30 @@
 </ct:contentTypeSchema>
 </file>
 
-<file path=customXml/item2.xml><?xml version="1.0" encoding="utf-8"?>
-<p:properties xmlns:p="http://schemas.microsoft.com/office/2006/metadata/properties" xmlns:xsi="http://www.w3.org/2001/XMLSchema-instance" xmlns:pc="http://schemas.microsoft.com/office/infopath/2007/PartnerControls">
-  <documentManagement/>
-</p:properties>
+<file path=customXml/itemProps1.xml><?xml version="1.0" encoding="utf-8"?>
+<ds:datastoreItem xmlns:ds="http://schemas.openxmlformats.org/officeDocument/2006/customXml" ds:itemID="{B882D8D6-9D38-4159-A398-AAC3689D3D7C}">
+  <ds:schemaRefs>
+    <ds:schemaRef ds:uri="http://schemas.microsoft.com/sharepoint/v3/contenttype/forms"/>
+  </ds:schemaRefs>
+</ds:datastoreItem>
 </file>
 
-<file path=customXml/item3.xml><?xml version="1.0" encoding="utf-8"?>
-<?mso-contentType ?>
-<FormTemplates xmlns="http://schemas.microsoft.com/sharepoint/v3/contenttype/forms">
-  <Display>DocumentLibraryForm</Display>
-  <Edit>DocumentLibraryForm</Edit>
-  <New>DocumentLibraryForm</New>
-</FormTemplates>
+<file path=customXml/itemProps2.xml><?xml version="1.0" encoding="utf-8"?>
+<ds:datastoreItem xmlns:ds="http://schemas.openxmlformats.org/officeDocument/2006/customXml" ds:itemID="{69B2F97D-0457-4986-9734-D03EB073C5EA}">
+  <ds:schemaRefs>
+    <ds:schemaRef ds:uri="http://schemas.microsoft.com/office/infopath/2007/PartnerControls"/>
+    <ds:schemaRef ds:uri="http://purl.org/dc/elements/1.1/"/>
+    <ds:schemaRef ds:uri="http://schemas.microsoft.com/office/2006/metadata/properties"/>
+    <ds:schemaRef ds:uri="http://schemas.microsoft.com/office/2006/documentManagement/types"/>
+    <ds:schemaRef ds:uri="http://purl.org/dc/terms/"/>
+    <ds:schemaRef ds:uri="http://schemas.openxmlformats.org/package/2006/metadata/core-properties"/>
+    <ds:schemaRef ds:uri="http://purl.org/dc/dcmitype/"/>
+    <ds:schemaRef ds:uri="http://www.w3.org/XML/1998/namespace"/>
+  </ds:schemaRefs>
+</ds:datastoreItem>
 </file>
 
-<file path=customXml/itemProps1.xml><?xml version="1.0" encoding="utf-8"?>
+<file path=customXml/itemProps3.xml><?xml version="1.0" encoding="utf-8"?>
 <ds:datastoreItem xmlns:ds="http://schemas.openxmlformats.org/officeDocument/2006/customXml" ds:itemID="{7E8DD694-0B1A-4D5D-AFFB-0714550A4316}">
   <ds:schemaRefs>
     <ds:schemaRef ds:uri="http://schemas.microsoft.com/office/2006/metadata/contentType"/>
@@ -10053,27 +10124,4 @@
     <ds:schemaRef ds:uri="http://schemas.microsoft.com/office/infopath/2007/PartnerControls"/>
   </ds:schemaRefs>
 </ds:datastoreItem>
-</file>
-
-<file path=customXml/itemProps2.xml><?xml version="1.0" encoding="utf-8"?>
-<ds:datastoreItem xmlns:ds="http://schemas.openxmlformats.org/officeDocument/2006/customXml" ds:itemID="{69B2F97D-0457-4986-9734-D03EB073C5EA}">
-  <ds:schemaRefs>
-    <ds:schemaRef ds:uri="http://purl.org/dc/terms/"/>
-    <ds:schemaRef ds:uri="http://schemas.openxmlformats.org/package/2006/metadata/core-properties"/>
-    <ds:schemaRef ds:uri="http://schemas.microsoft.com/office/2006/documentManagement/types"/>
-    <ds:schemaRef ds:uri="http://schemas.microsoft.com/office/infopath/2007/PartnerControls"/>
-    <ds:schemaRef ds:uri="http://purl.org/dc/elements/1.1/"/>
-    <ds:schemaRef ds:uri="http://schemas.microsoft.com/office/2006/metadata/properties"/>
-    <ds:schemaRef ds:uri="http://www.w3.org/XML/1998/namespace"/>
-    <ds:schemaRef ds:uri="http://purl.org/dc/dcmitype/"/>
-  </ds:schemaRefs>
-</ds:datastoreItem>
-</file>
-
-<file path=customXml/itemProps3.xml><?xml version="1.0" encoding="utf-8"?>
-<ds:datastoreItem xmlns:ds="http://schemas.openxmlformats.org/officeDocument/2006/customXml" ds:itemID="{B882D8D6-9D38-4159-A398-AAC3689D3D7C}">
-  <ds:schemaRefs>
-    <ds:schemaRef ds:uri="http://schemas.microsoft.com/sharepoint/v3/contenttype/forms"/>
-  </ds:schemaRefs>
-</ds:datastoreItem>
 </file>
--- a/docs/presentation.pptx
+++ b/docs/presentation.pptx
@@ -6708,7 +6708,7 @@
         </p:nvSpPr>
         <p:spPr>
           <a:xfrm>
-            <a:off x="183127" y="2935337"/>
+            <a:off x="183127" y="3412416"/>
             <a:ext cx="8670585" cy="1878252"/>
           </a:xfrm>
           <a:prstGeom prst="rect">
@@ -6746,22 +6746,15 @@
           </a:lstStyle>
           <a:p>
             <a:r>
-              <a:rPr lang="fr-BE" sz="5400" dirty="0" err="1">
+              <a:rPr lang="fr-BE" sz="5400" dirty="0">
                 <a:solidFill>
                   <a:schemeClr val="tx1">
                     <a:alpha val="99000"/>
                   </a:schemeClr>
                 </a:solidFill>
               </a:rPr>
-              <a:t>QRJob</a:t>
+              <a:t>accroche</a:t>
             </a:r>
-            <a:endParaRPr lang="fr-BE" sz="5400" dirty="0">
-              <a:solidFill>
-                <a:schemeClr val="tx1">
-                  <a:alpha val="99000"/>
-                </a:schemeClr>
-              </a:solidFill>
-            </a:endParaRPr>
           </a:p>
         </p:txBody>
       </p:sp>
@@ -6775,7 +6768,7 @@
         </p:nvSpPr>
         <p:spPr>
           <a:xfrm>
-            <a:off x="183127" y="4964611"/>
+            <a:off x="183127" y="5441690"/>
             <a:ext cx="8670585" cy="726353"/>
           </a:xfrm>
           <a:prstGeom prst="rect">
@@ -6968,7 +6961,7 @@
                   <a:schemeClr val="tx1"/>
                 </a:solidFill>
               </a:rPr>
-              <a:t>Hackathon Citizens of Wallonia</a:t>
+              <a:t>Les ABL</a:t>
             </a:r>
             <a:endParaRPr lang="en-US" sz="2600" dirty="0">
               <a:solidFill>
@@ -6980,20 +6973,12 @@
           </a:p>
           <a:p>
             <a:r>
-              <a:rPr lang="en-US" sz="2000" i="1" dirty="0" err="1">
-                <a:solidFill>
-                  <a:srgbClr val="6666FF"/>
-                </a:solidFill>
-              </a:rPr>
-              <a:t>Equipe</a:t>
-            </a:r>
-            <a:r>
               <a:rPr lang="en-US" sz="2000" i="1" dirty="0">
                 <a:solidFill>
                   <a:srgbClr val="6666FF"/>
                 </a:solidFill>
               </a:rPr>
-              <a:t> : Les ABL</a:t>
+              <a:t>Composition : Michel, …</a:t>
             </a:r>
             <a:endParaRPr lang="en-US" sz="2000" dirty="0">
               <a:solidFill>
@@ -7026,8 +7011,49 @@
         </p:blipFill>
         <p:spPr bwMode="auto">
           <a:xfrm>
-            <a:off x="4860096" y="609600"/>
-            <a:ext cx="4686300" cy="3810000"/>
+            <a:off x="5008749" y="4153300"/>
+            <a:ext cx="2478134" cy="2014743"/>
+          </a:xfrm>
+          <a:prstGeom prst="rect">
+            <a:avLst/>
+          </a:prstGeom>
+          <a:noFill/>
+          <a:extLst>
+            <a:ext uri="{909E8E84-426E-40DD-AFC4-6F175D3DCCD1}">
+              <a14:hiddenFill xmlns:a14="http://schemas.microsoft.com/office/drawing/2010/main">
+                <a:solidFill>
+                  <a:srgbClr val="FFFFFF"/>
+                </a:solidFill>
+              </a14:hiddenFill>
+            </a:ext>
+          </a:extLst>
+        </p:spPr>
+      </p:pic>
+      <p:pic>
+        <p:nvPicPr>
+          <p:cNvPr id="2" name="Picture 2" descr="logo.png"/>
+          <p:cNvPicPr>
+            <a:picLocks noChangeAspect="1" noChangeArrowheads="1"/>
+          </p:cNvPicPr>
+          <p:nvPr/>
+        </p:nvPicPr>
+        <p:blipFill>
+          <a:blip r:embed="rId5">
+            <a:extLst>
+              <a:ext uri="{28A0092B-C50C-407E-A947-70E740481C1C}">
+                <a14:useLocalDpi xmlns:a14="http://schemas.microsoft.com/office/drawing/2010/main" val="0"/>
+              </a:ext>
+            </a:extLst>
+          </a:blip>
+          <a:srcRect/>
+          <a:stretch>
+            <a:fillRect/>
+          </a:stretch>
+        </p:blipFill>
+        <p:spPr bwMode="auto">
+          <a:xfrm>
+            <a:off x="3033523" y="920681"/>
+            <a:ext cx="2114550" cy="2447926"/>
           </a:xfrm>
           <a:prstGeom prst="rect">
             <a:avLst/>
@@ -7238,25 +7264,6 @@
               </a:spcAft>
             </a:pPr>
             <a:r>
-              <a:rPr lang="en-US" sz="2800" b="1" dirty="0" err="1">
-                <a:gradFill>
-                  <a:gsLst>
-                    <a:gs pos="0">
-                      <a:srgbClr val="FFFFFF"/>
-                    </a:gs>
-                    <a:gs pos="100000">
-                      <a:srgbClr val="FFFFFF"/>
-                    </a:gs>
-                  </a:gsLst>
-                  <a:lin ang="5400000" scaled="0"/>
-                </a:gradFill>
-                <a:latin typeface="+mj-lt"/>
-                <a:ea typeface="Segoe UI" pitchFamily="34" charset="0"/>
-                <a:cs typeface="Segoe UI" pitchFamily="34" charset="0"/>
-              </a:rPr>
-              <a:t>Termes</a:t>
-            </a:r>
-            <a:r>
               <a:rPr lang="en-US" sz="2800" b="1" dirty="0">
                 <a:gradFill>
                   <a:gsLst>
@@ -7273,43 +7280,8 @@
                 <a:ea typeface="Segoe UI" pitchFamily="34" charset="0"/>
                 <a:cs typeface="Segoe UI" pitchFamily="34" charset="0"/>
               </a:rPr>
-              <a:t> </a:t>
+              <a:t>Business model</a:t>
             </a:r>
-            <a:r>
-              <a:rPr lang="en-US" sz="2800" b="1" dirty="0" err="1">
-                <a:gradFill>
-                  <a:gsLst>
-                    <a:gs pos="0">
-                      <a:srgbClr val="FFFFFF"/>
-                    </a:gs>
-                    <a:gs pos="100000">
-                      <a:srgbClr val="FFFFFF"/>
-                    </a:gs>
-                  </a:gsLst>
-                  <a:lin ang="5400000" scaled="0"/>
-                </a:gradFill>
-                <a:latin typeface="+mj-lt"/>
-                <a:ea typeface="Segoe UI" pitchFamily="34" charset="0"/>
-                <a:cs typeface="Segoe UI" pitchFamily="34" charset="0"/>
-              </a:rPr>
-              <a:t>utilisés</a:t>
-            </a:r>
-            <a:endParaRPr lang="en-US" sz="2800" b="1" dirty="0">
-              <a:gradFill>
-                <a:gsLst>
-                  <a:gs pos="0">
-                    <a:srgbClr val="FFFFFF"/>
-                  </a:gs>
-                  <a:gs pos="100000">
-                    <a:srgbClr val="FFFFFF"/>
-                  </a:gs>
-                </a:gsLst>
-                <a:lin ang="5400000" scaled="0"/>
-              </a:gradFill>
-              <a:latin typeface="+mj-lt"/>
-              <a:ea typeface="Segoe UI" pitchFamily="34" charset="0"/>
-              <a:cs typeface="Segoe UI" pitchFamily="34" charset="0"/>
-            </a:endParaRPr>
           </a:p>
         </p:txBody>
       </p:sp>
@@ -7321,7 +7293,7 @@
         </p:nvSpPr>
         <p:spPr bwMode="auto">
           <a:xfrm>
-            <a:off x="8387671" y="1753012"/>
+            <a:off x="8401592" y="1721793"/>
             <a:ext cx="3514745" cy="1091954"/>
           </a:xfrm>
           <a:prstGeom prst="rect">
@@ -7372,7 +7344,7 @@
               </a:spcAft>
             </a:pPr>
             <a:r>
-              <a:rPr lang="en-US" sz="2800" b="1" dirty="0" err="1">
+              <a:rPr lang="en-US" sz="2800" b="1" dirty="0">
                 <a:gradFill>
                   <a:gsLst>
                     <a:gs pos="0">
@@ -7384,27 +7356,12 @@
                   </a:gsLst>
                   <a:lin ang="5400000" scaled="0"/>
                 </a:gradFill>
+                <a:latin typeface="+mj-lt"/>
                 <a:ea typeface="Segoe UI" pitchFamily="34" charset="0"/>
                 <a:cs typeface="Segoe UI" pitchFamily="34" charset="0"/>
               </a:rPr>
-              <a:t>Algorithmes</a:t>
+              <a:t>Data</a:t>
             </a:r>
-            <a:endParaRPr lang="en-US" sz="2800" b="1" dirty="0">
-              <a:gradFill>
-                <a:gsLst>
-                  <a:gs pos="0">
-                    <a:srgbClr val="FFFFFF"/>
-                  </a:gs>
-                  <a:gs pos="100000">
-                    <a:srgbClr val="FFFFFF"/>
-                  </a:gs>
-                </a:gsLst>
-                <a:lin ang="5400000" scaled="0"/>
-              </a:gradFill>
-              <a:latin typeface="+mj-lt"/>
-              <a:ea typeface="Segoe UI" pitchFamily="34" charset="0"/>
-              <a:cs typeface="Segoe UI" pitchFamily="34" charset="0"/>
-            </a:endParaRPr>
           </a:p>
         </p:txBody>
       </p:sp>
@@ -7576,41 +7533,8 @@
                 <a:ea typeface="Segoe UI" pitchFamily="34" charset="0"/>
                 <a:cs typeface="Segoe UI" pitchFamily="34" charset="0"/>
               </a:rPr>
-              <a:t>Structure du </a:t>
+              <a:t>Architecture</a:t>
             </a:r>
-            <a:r>
-              <a:rPr lang="en-US" sz="2800" b="1" dirty="0" err="1">
-                <a:gradFill>
-                  <a:gsLst>
-                    <a:gs pos="0">
-                      <a:srgbClr val="FFFFFF"/>
-                    </a:gs>
-                    <a:gs pos="100000">
-                      <a:srgbClr val="FFFFFF"/>
-                    </a:gs>
-                  </a:gsLst>
-                  <a:lin ang="5400000" scaled="0"/>
-                </a:gradFill>
-                <a:ea typeface="Segoe UI" pitchFamily="34" charset="0"/>
-                <a:cs typeface="Segoe UI" pitchFamily="34" charset="0"/>
-              </a:rPr>
-              <a:t>programme</a:t>
-            </a:r>
-            <a:endParaRPr lang="en-US" sz="2800" b="1" dirty="0">
-              <a:gradFill>
-                <a:gsLst>
-                  <a:gs pos="0">
-                    <a:srgbClr val="FFFFFF"/>
-                  </a:gs>
-                  <a:gs pos="100000">
-                    <a:srgbClr val="FFFFFF"/>
-                  </a:gs>
-                </a:gsLst>
-                <a:lin ang="5400000" scaled="0"/>
-              </a:gradFill>
-              <a:ea typeface="Segoe UI" pitchFamily="34" charset="0"/>
-              <a:cs typeface="Segoe UI" pitchFamily="34" charset="0"/>
-            </a:endParaRPr>
           </a:p>
         </p:txBody>
       </p:sp>
@@ -7714,8 +7638,41 @@
                 <a:ea typeface="Segoe UI" pitchFamily="34" charset="0"/>
                 <a:cs typeface="Segoe UI" pitchFamily="34" charset="0"/>
               </a:rPr>
-              <a:t>Conclusion</a:t>
+              <a:t>Evolutions </a:t>
             </a:r>
+            <a:r>
+              <a:rPr lang="en-US" sz="2800" b="1" dirty="0" err="1">
+                <a:gradFill>
+                  <a:gsLst>
+                    <a:gs pos="0">
+                      <a:srgbClr val="FFFFFF"/>
+                    </a:gs>
+                    <a:gs pos="100000">
+                      <a:srgbClr val="FFFFFF"/>
+                    </a:gs>
+                  </a:gsLst>
+                  <a:lin ang="5400000" scaled="0"/>
+                </a:gradFill>
+                <a:ea typeface="Segoe UI" pitchFamily="34" charset="0"/>
+                <a:cs typeface="Segoe UI" pitchFamily="34" charset="0"/>
+              </a:rPr>
+              <a:t>possibles</a:t>
+            </a:r>
+            <a:endParaRPr lang="en-US" sz="2800" b="1" dirty="0">
+              <a:gradFill>
+                <a:gsLst>
+                  <a:gs pos="0">
+                    <a:srgbClr val="FFFFFF"/>
+                  </a:gs>
+                  <a:gs pos="100000">
+                    <a:srgbClr val="FFFFFF"/>
+                  </a:gs>
+                </a:gsLst>
+                <a:lin ang="5400000" scaled="0"/>
+              </a:gradFill>
+              <a:ea typeface="Segoe UI" pitchFamily="34" charset="0"/>
+              <a:cs typeface="Segoe UI" pitchFamily="34" charset="0"/>
+            </a:endParaRPr>
           </a:p>
         </p:txBody>
       </p:sp>
@@ -8374,7 +8331,7 @@
         <p:spPr>
           <a:xfrm>
             <a:off x="2584984" y="2932152"/>
-            <a:ext cx="5748690" cy="1107996"/>
+            <a:ext cx="4299895" cy="1107996"/>
           </a:xfrm>
           <a:prstGeom prst="rect">
             <a:avLst/>
@@ -8394,6 +8351,24 @@
                 <a:spcPct val="0"/>
               </a:spcAft>
             </a:pPr>
+            <a:r>
+              <a:rPr lang="en-US" sz="6600" dirty="0">
+                <a:gradFill>
+                  <a:gsLst>
+                    <a:gs pos="0">
+                      <a:srgbClr val="FFFFFF"/>
+                    </a:gs>
+                    <a:gs pos="100000">
+                      <a:srgbClr val="FFFFFF"/>
+                    </a:gs>
+                  </a:gsLst>
+                  <a:lin ang="5400000" scaled="0"/>
+                </a:gradFill>
+                <a:latin typeface="Segoe UI Light" panose="020B0502040204020203" pitchFamily="34" charset="0"/>
+                <a:cs typeface="Segoe UI Light" panose="020B0502040204020203" pitchFamily="34" charset="0"/>
+              </a:rPr>
+              <a:t>Paul </a:t>
+            </a:r>
             <a:r>
               <a:rPr lang="en-US" sz="6600" dirty="0" err="1">
                 <a:gradFill>
@@ -8410,7 +8385,7 @@
                 <a:latin typeface="Segoe UI Light" panose="020B0502040204020203" pitchFamily="34" charset="0"/>
                 <a:cs typeface="Segoe UI Light" panose="020B0502040204020203" pitchFamily="34" charset="0"/>
               </a:rPr>
-              <a:t>Implémentation</a:t>
+              <a:t>emploi</a:t>
             </a:r>
             <a:endParaRPr lang="en-US" sz="6600" dirty="0">
               <a:gradFill>
@@ -9959,21 +9934,6 @@
 </file>
 
 <file path=customXml/item1.xml><?xml version="1.0" encoding="utf-8"?>
-<?mso-contentType ?>
-<FormTemplates xmlns="http://schemas.microsoft.com/sharepoint/v3/contenttype/forms">
-  <Display>DocumentLibraryForm</Display>
-  <Edit>DocumentLibraryForm</Edit>
-  <New>DocumentLibraryForm</New>
-</FormTemplates>
-</file>
-
-<file path=customXml/item2.xml><?xml version="1.0" encoding="utf-8"?>
-<p:properties xmlns:p="http://schemas.microsoft.com/office/2006/metadata/properties" xmlns:xsi="http://www.w3.org/2001/XMLSchema-instance" xmlns:pc="http://schemas.microsoft.com/office/infopath/2007/PartnerControls">
-  <documentManagement/>
-</p:properties>
-</file>
-
-<file path=customXml/item3.xml><?xml version="1.0" encoding="utf-8"?>
 <ct:contentTypeSchema xmlns:ct="http://schemas.microsoft.com/office/2006/metadata/contentType" xmlns:ma="http://schemas.microsoft.com/office/2006/metadata/properties/metaAttributes" ct:_="" ma:_="" ma:contentTypeName="Document" ma:contentTypeID="0x0101002BB55AA0DA9F7246A3E3A4592ED13A8A" ma:contentTypeVersion="0" ma:contentTypeDescription="Create a new document." ma:contentTypeScope="" ma:versionID="90a2aafeac5fff22f0b26f64399238ba">
   <xsd:schema xmlns:xsd="http://www.w3.org/2001/XMLSchema" xmlns:xs="http://www.w3.org/2001/XMLSchema" xmlns:p="http://schemas.microsoft.com/office/2006/metadata/properties" targetNamespace="http://schemas.microsoft.com/office/2006/metadata/properties" ma:root="true" ma:fieldsID="6841151cf538834e171094e4faaf2d73">
     <xsd:element name="properties">
@@ -10087,10 +10047,33 @@
 </ct:contentTypeSchema>
 </file>
 
+<file path=customXml/item2.xml><?xml version="1.0" encoding="utf-8"?>
+<p:properties xmlns:p="http://schemas.microsoft.com/office/2006/metadata/properties" xmlns:xsi="http://www.w3.org/2001/XMLSchema-instance" xmlns:pc="http://schemas.microsoft.com/office/infopath/2007/PartnerControls">
+  <documentManagement/>
+</p:properties>
+</file>
+
+<file path=customXml/item3.xml><?xml version="1.0" encoding="utf-8"?>
+<?mso-contentType ?>
+<FormTemplates xmlns="http://schemas.microsoft.com/sharepoint/v3/contenttype/forms">
+  <Display>DocumentLibraryForm</Display>
+  <Edit>DocumentLibraryForm</Edit>
+  <New>DocumentLibraryForm</New>
+</FormTemplates>
+</file>
+
 <file path=customXml/itemProps1.xml><?xml version="1.0" encoding="utf-8"?>
-<ds:datastoreItem xmlns:ds="http://schemas.openxmlformats.org/officeDocument/2006/customXml" ds:itemID="{B882D8D6-9D38-4159-A398-AAC3689D3D7C}">
+<ds:datastoreItem xmlns:ds="http://schemas.openxmlformats.org/officeDocument/2006/customXml" ds:itemID="{7E8DD694-0B1A-4D5D-AFFB-0714550A4316}">
   <ds:schemaRefs>
-    <ds:schemaRef ds:uri="http://schemas.microsoft.com/sharepoint/v3/contenttype/forms"/>
+    <ds:schemaRef ds:uri="http://schemas.microsoft.com/office/2006/metadata/contentType"/>
+    <ds:schemaRef ds:uri="http://schemas.microsoft.com/office/2006/metadata/properties/metaAttributes"/>
+    <ds:schemaRef ds:uri="http://www.w3.org/2001/XMLSchema"/>
+    <ds:schemaRef ds:uri="http://schemas.microsoft.com/office/2006/metadata/properties"/>
+    <ds:schemaRef ds:uri="http://schemas.openxmlformats.org/package/2006/metadata/core-properties"/>
+    <ds:schemaRef ds:uri="http://purl.org/dc/elements/1.1/"/>
+    <ds:schemaRef ds:uri="http://purl.org/dc/terms/"/>
+    <ds:schemaRef ds:uri="http://schemas.microsoft.com/internal/obd"/>
+    <ds:schemaRef ds:uri="http://schemas.microsoft.com/office/infopath/2007/PartnerControls"/>
   </ds:schemaRefs>
 </ds:datastoreItem>
 </file>
@@ -10111,17 +10094,9 @@
 </file>
 
 <file path=customXml/itemProps3.xml><?xml version="1.0" encoding="utf-8"?>
-<ds:datastoreItem xmlns:ds="http://schemas.openxmlformats.org/officeDocument/2006/customXml" ds:itemID="{7E8DD694-0B1A-4D5D-AFFB-0714550A4316}">
+<ds:datastoreItem xmlns:ds="http://schemas.openxmlformats.org/officeDocument/2006/customXml" ds:itemID="{B882D8D6-9D38-4159-A398-AAC3689D3D7C}">
   <ds:schemaRefs>
-    <ds:schemaRef ds:uri="http://schemas.microsoft.com/office/2006/metadata/contentType"/>
-    <ds:schemaRef ds:uri="http://schemas.microsoft.com/office/2006/metadata/properties/metaAttributes"/>
-    <ds:schemaRef ds:uri="http://www.w3.org/2001/XMLSchema"/>
-    <ds:schemaRef ds:uri="http://schemas.microsoft.com/office/2006/metadata/properties"/>
-    <ds:schemaRef ds:uri="http://schemas.openxmlformats.org/package/2006/metadata/core-properties"/>
-    <ds:schemaRef ds:uri="http://purl.org/dc/elements/1.1/"/>
-    <ds:schemaRef ds:uri="http://purl.org/dc/terms/"/>
-    <ds:schemaRef ds:uri="http://schemas.microsoft.com/internal/obd"/>
-    <ds:schemaRef ds:uri="http://schemas.microsoft.com/office/infopath/2007/PartnerControls"/>
+    <ds:schemaRef ds:uri="http://schemas.microsoft.com/sharepoint/v3/contenttype/forms"/>
   </ds:schemaRefs>
 </ds:datastoreItem>
 </file>